--- a/resources/ppt-slides/control-flow-while-loop.pptx
+++ b/resources/ppt-slides/control-flow-while-loop.pptx
@@ -253,7 +253,7 @@
           <a:p>
             <a:fld id="{964302DC-9F53-934F-AE4D-0F1F197008C1}" type="datetimeFigureOut">
               <a:rPr lang="en-US" smtClean="0"/>
-              <a:t>2/9/24</a:t>
+              <a:t>10/4/23</a:t>
             </a:fld>
             <a:endParaRPr lang="en-US"/>
           </a:p>
@@ -423,7 +423,7 @@
           <a:p>
             <a:fld id="{964302DC-9F53-934F-AE4D-0F1F197008C1}" type="datetimeFigureOut">
               <a:rPr lang="en-US" smtClean="0"/>
-              <a:t>2/9/24</a:t>
+              <a:t>10/4/23</a:t>
             </a:fld>
             <a:endParaRPr lang="en-US"/>
           </a:p>
@@ -603,7 +603,7 @@
           <a:p>
             <a:fld id="{964302DC-9F53-934F-AE4D-0F1F197008C1}" type="datetimeFigureOut">
               <a:rPr lang="en-US" smtClean="0"/>
-              <a:t>2/9/24</a:t>
+              <a:t>10/4/23</a:t>
             </a:fld>
             <a:endParaRPr lang="en-US"/>
           </a:p>
@@ -773,7 +773,7 @@
           <a:p>
             <a:fld id="{964302DC-9F53-934F-AE4D-0F1F197008C1}" type="datetimeFigureOut">
               <a:rPr lang="en-US" smtClean="0"/>
-              <a:t>2/9/24</a:t>
+              <a:t>10/4/23</a:t>
             </a:fld>
             <a:endParaRPr lang="en-US"/>
           </a:p>
@@ -1017,7 +1017,7 @@
           <a:p>
             <a:fld id="{964302DC-9F53-934F-AE4D-0F1F197008C1}" type="datetimeFigureOut">
               <a:rPr lang="en-US" smtClean="0"/>
-              <a:t>2/9/24</a:t>
+              <a:t>10/4/23</a:t>
             </a:fld>
             <a:endParaRPr lang="en-US"/>
           </a:p>
@@ -1249,7 +1249,7 @@
           <a:p>
             <a:fld id="{964302DC-9F53-934F-AE4D-0F1F197008C1}" type="datetimeFigureOut">
               <a:rPr lang="en-US" smtClean="0"/>
-              <a:t>2/9/24</a:t>
+              <a:t>10/4/23</a:t>
             </a:fld>
             <a:endParaRPr lang="en-US"/>
           </a:p>
@@ -1616,7 +1616,7 @@
           <a:p>
             <a:fld id="{964302DC-9F53-934F-AE4D-0F1F197008C1}" type="datetimeFigureOut">
               <a:rPr lang="en-US" smtClean="0"/>
-              <a:t>2/9/24</a:t>
+              <a:t>10/4/23</a:t>
             </a:fld>
             <a:endParaRPr lang="en-US"/>
           </a:p>
@@ -1734,7 +1734,7 @@
           <a:p>
             <a:fld id="{964302DC-9F53-934F-AE4D-0F1F197008C1}" type="datetimeFigureOut">
               <a:rPr lang="en-US" smtClean="0"/>
-              <a:t>2/9/24</a:t>
+              <a:t>10/4/23</a:t>
             </a:fld>
             <a:endParaRPr lang="en-US"/>
           </a:p>
@@ -1829,7 +1829,7 @@
           <a:p>
             <a:fld id="{964302DC-9F53-934F-AE4D-0F1F197008C1}" type="datetimeFigureOut">
               <a:rPr lang="en-US" smtClean="0"/>
-              <a:t>2/9/24</a:t>
+              <a:t>10/4/23</a:t>
             </a:fld>
             <a:endParaRPr lang="en-US"/>
           </a:p>
@@ -2106,7 +2106,7 @@
           <a:p>
             <a:fld id="{964302DC-9F53-934F-AE4D-0F1F197008C1}" type="datetimeFigureOut">
               <a:rPr lang="en-US" smtClean="0"/>
-              <a:t>2/9/24</a:t>
+              <a:t>10/4/23</a:t>
             </a:fld>
             <a:endParaRPr lang="en-US"/>
           </a:p>
@@ -2363,7 +2363,7 @@
           <a:p>
             <a:fld id="{964302DC-9F53-934F-AE4D-0F1F197008C1}" type="datetimeFigureOut">
               <a:rPr lang="en-US" smtClean="0"/>
-              <a:t>2/9/24</a:t>
+              <a:t>10/4/23</a:t>
             </a:fld>
             <a:endParaRPr lang="en-US"/>
           </a:p>
@@ -2428,18 +2428,9 @@
 <p:sldMaster xmlns:a="http://schemas.openxmlformats.org/drawingml/2006/main" xmlns:r="http://schemas.openxmlformats.org/officeDocument/2006/relationships" xmlns:p="http://schemas.openxmlformats.org/presentationml/2006/main">
   <p:cSld>
     <p:bg>
-      <p:bgPr>
-        <a:blipFill dpi="0" rotWithShape="1">
-          <a:blip r:embed="rId13">
-            <a:lum/>
-          </a:blip>
-          <a:srcRect/>
-          <a:stretch>
-            <a:fillRect/>
-          </a:stretch>
-        </a:blipFill>
-        <a:effectLst/>
-      </p:bgPr>
+      <p:bgRef idx="1001">
+        <a:schemeClr val="bg1"/>
+      </p:bgRef>
     </p:bg>
     <p:spTree>
       <p:nvGrpSpPr>
@@ -2585,7 +2576,7 @@
           <a:p>
             <a:fld id="{964302DC-9F53-934F-AE4D-0F1F197008C1}" type="datetimeFigureOut">
               <a:rPr lang="en-US" smtClean="0"/>
-              <a:t>2/9/24</a:t>
+              <a:t>10/4/23</a:t>
             </a:fld>
             <a:endParaRPr lang="en-US"/>
           </a:p>
@@ -2976,6 +2967,20 @@
 <file path=ppt/slides/slide1.xml><?xml version="1.0" encoding="utf-8"?>
 <p:sld xmlns:a="http://schemas.openxmlformats.org/drawingml/2006/main" xmlns:r="http://schemas.openxmlformats.org/officeDocument/2006/relationships" xmlns:p="http://schemas.openxmlformats.org/presentationml/2006/main">
   <p:cSld>
+    <p:bg>
+      <p:bgPr>
+        <a:blipFill dpi="0" rotWithShape="1">
+          <a:blip r:embed="rId2">
+            <a:lum/>
+          </a:blip>
+          <a:srcRect/>
+          <a:stretch>
+            <a:fillRect/>
+          </a:stretch>
+        </a:blipFill>
+        <a:effectLst/>
+      </p:bgPr>
+    </p:bg>
     <p:spTree>
       <p:nvGrpSpPr>
         <p:cNvPr id="1" name=""/>
@@ -3275,7 +3280,7 @@
               <p:nvPr/>
             </p:nvPicPr>
             <p:blipFill>
-              <a:blip r:embed="rId2">
+              <a:blip r:embed="rId3">
                 <a:alphaModFix amt="30000"/>
               </a:blip>
               <a:stretch>
@@ -5366,7 +5371,7 @@
             <p:nvPr/>
           </p:nvPicPr>
           <p:blipFill>
-            <a:blip r:embed="rId3">
+            <a:blip r:embed="rId4">
               <a:alphaModFix amt="30000"/>
             </a:blip>
             <a:stretch>
@@ -5455,6 +5460,272 @@
               <a:r>
                 <a:rPr lang="en-US" dirty="0"/>
                 <a:t>10</a:t>
+              </a:r>
+            </a:p>
+          </p:txBody>
+        </p:sp>
+        <p:sp>
+          <p:nvSpPr>
+            <p:cNvPr id="9" name="Rectangle 8">
+              <a:extLst>
+                <a:ext uri="{FF2B5EF4-FFF2-40B4-BE49-F238E27FC236}">
+                  <a16:creationId xmlns:a16="http://schemas.microsoft.com/office/drawing/2014/main" id="{5DC39B20-F863-7C67-FD78-60CFCC23A0E8}"/>
+                </a:ext>
+              </a:extLst>
+            </p:cNvPr>
+            <p:cNvSpPr/>
+            <p:nvPr/>
+          </p:nvSpPr>
+          <p:spPr>
+            <a:xfrm>
+              <a:off x="5034017" y="-2432404"/>
+              <a:ext cx="2127795" cy="1085065"/>
+            </a:xfrm>
+            <a:custGeom>
+              <a:avLst/>
+              <a:gdLst>
+                <a:gd name="connsiteX0" fmla="*/ 0 w 2127795"/>
+                <a:gd name="connsiteY0" fmla="*/ 0 h 1085065"/>
+                <a:gd name="connsiteX1" fmla="*/ 510671 w 2127795"/>
+                <a:gd name="connsiteY1" fmla="*/ 0 h 1085065"/>
+                <a:gd name="connsiteX2" fmla="*/ 1042620 w 2127795"/>
+                <a:gd name="connsiteY2" fmla="*/ 0 h 1085065"/>
+                <a:gd name="connsiteX3" fmla="*/ 1595846 w 2127795"/>
+                <a:gd name="connsiteY3" fmla="*/ 0 h 1085065"/>
+                <a:gd name="connsiteX4" fmla="*/ 2127795 w 2127795"/>
+                <a:gd name="connsiteY4" fmla="*/ 0 h 1085065"/>
+                <a:gd name="connsiteX5" fmla="*/ 2127795 w 2127795"/>
+                <a:gd name="connsiteY5" fmla="*/ 553383 h 1085065"/>
+                <a:gd name="connsiteX6" fmla="*/ 2127795 w 2127795"/>
+                <a:gd name="connsiteY6" fmla="*/ 1085065 h 1085065"/>
+                <a:gd name="connsiteX7" fmla="*/ 1553290 w 2127795"/>
+                <a:gd name="connsiteY7" fmla="*/ 1085065 h 1085065"/>
+                <a:gd name="connsiteX8" fmla="*/ 978786 w 2127795"/>
+                <a:gd name="connsiteY8" fmla="*/ 1085065 h 1085065"/>
+                <a:gd name="connsiteX9" fmla="*/ 0 w 2127795"/>
+                <a:gd name="connsiteY9" fmla="*/ 1085065 h 1085065"/>
+                <a:gd name="connsiteX10" fmla="*/ 0 w 2127795"/>
+                <a:gd name="connsiteY10" fmla="*/ 553383 h 1085065"/>
+                <a:gd name="connsiteX11" fmla="*/ 0 w 2127795"/>
+                <a:gd name="connsiteY11" fmla="*/ 0 h 1085065"/>
+              </a:gdLst>
+              <a:ahLst/>
+              <a:cxnLst>
+                <a:cxn ang="0">
+                  <a:pos x="connsiteX0" y="connsiteY0"/>
+                </a:cxn>
+                <a:cxn ang="0">
+                  <a:pos x="connsiteX1" y="connsiteY1"/>
+                </a:cxn>
+                <a:cxn ang="0">
+                  <a:pos x="connsiteX2" y="connsiteY2"/>
+                </a:cxn>
+                <a:cxn ang="0">
+                  <a:pos x="connsiteX3" y="connsiteY3"/>
+                </a:cxn>
+                <a:cxn ang="0">
+                  <a:pos x="connsiteX4" y="connsiteY4"/>
+                </a:cxn>
+                <a:cxn ang="0">
+                  <a:pos x="connsiteX5" y="connsiteY5"/>
+                </a:cxn>
+                <a:cxn ang="0">
+                  <a:pos x="connsiteX6" y="connsiteY6"/>
+                </a:cxn>
+                <a:cxn ang="0">
+                  <a:pos x="connsiteX7" y="connsiteY7"/>
+                </a:cxn>
+                <a:cxn ang="0">
+                  <a:pos x="connsiteX8" y="connsiteY8"/>
+                </a:cxn>
+                <a:cxn ang="0">
+                  <a:pos x="connsiteX9" y="connsiteY9"/>
+                </a:cxn>
+                <a:cxn ang="0">
+                  <a:pos x="connsiteX10" y="connsiteY10"/>
+                </a:cxn>
+                <a:cxn ang="0">
+                  <a:pos x="connsiteX11" y="connsiteY11"/>
+                </a:cxn>
+              </a:cxnLst>
+              <a:rect l="l" t="t" r="r" b="b"/>
+              <a:pathLst>
+                <a:path w="2127795" h="1085065" fill="none" extrusionOk="0">
+                  <a:moveTo>
+                    <a:pt x="0" y="0"/>
+                  </a:moveTo>
+                  <a:cubicBezTo>
+                    <a:pt x="119302" y="-23815"/>
+                    <a:pt x="321953" y="-4268"/>
+                    <a:pt x="510671" y="0"/>
+                  </a:cubicBezTo>
+                  <a:cubicBezTo>
+                    <a:pt x="699389" y="4268"/>
+                    <a:pt x="838038" y="-4296"/>
+                    <a:pt x="1042620" y="0"/>
+                  </a:cubicBezTo>
+                  <a:cubicBezTo>
+                    <a:pt x="1247202" y="4296"/>
+                    <a:pt x="1418238" y="-20161"/>
+                    <a:pt x="1595846" y="0"/>
+                  </a:cubicBezTo>
+                  <a:cubicBezTo>
+                    <a:pt x="1773454" y="20161"/>
+                    <a:pt x="1930348" y="288"/>
+                    <a:pt x="2127795" y="0"/>
+                  </a:cubicBezTo>
+                  <a:cubicBezTo>
+                    <a:pt x="2127420" y="271704"/>
+                    <a:pt x="2137858" y="397892"/>
+                    <a:pt x="2127795" y="553383"/>
+                  </a:cubicBezTo>
+                  <a:cubicBezTo>
+                    <a:pt x="2117732" y="708874"/>
+                    <a:pt x="2106280" y="956975"/>
+                    <a:pt x="2127795" y="1085065"/>
+                  </a:cubicBezTo>
+                  <a:cubicBezTo>
+                    <a:pt x="1890946" y="1101697"/>
+                    <a:pt x="1709293" y="1081968"/>
+                    <a:pt x="1553290" y="1085065"/>
+                  </a:cubicBezTo>
+                  <a:cubicBezTo>
+                    <a:pt x="1397287" y="1088162"/>
+                    <a:pt x="1242166" y="1089720"/>
+                    <a:pt x="978786" y="1085065"/>
+                  </a:cubicBezTo>
+                  <a:cubicBezTo>
+                    <a:pt x="715406" y="1080410"/>
+                    <a:pt x="281211" y="1084892"/>
+                    <a:pt x="0" y="1085065"/>
+                  </a:cubicBezTo>
+                  <a:cubicBezTo>
+                    <a:pt x="-13849" y="960040"/>
+                    <a:pt x="-19899" y="725067"/>
+                    <a:pt x="0" y="553383"/>
+                  </a:cubicBezTo>
+                  <a:cubicBezTo>
+                    <a:pt x="19899" y="381699"/>
+                    <a:pt x="-3693" y="272116"/>
+                    <a:pt x="0" y="0"/>
+                  </a:cubicBezTo>
+                  <a:close/>
+                </a:path>
+                <a:path w="2127795" h="1085065" stroke="0" extrusionOk="0">
+                  <a:moveTo>
+                    <a:pt x="0" y="0"/>
+                  </a:moveTo>
+                  <a:cubicBezTo>
+                    <a:pt x="171248" y="-8495"/>
+                    <a:pt x="325453" y="21877"/>
+                    <a:pt x="510671" y="0"/>
+                  </a:cubicBezTo>
+                  <a:cubicBezTo>
+                    <a:pt x="695889" y="-21877"/>
+                    <a:pt x="802356" y="-16277"/>
+                    <a:pt x="978786" y="0"/>
+                  </a:cubicBezTo>
+                  <a:cubicBezTo>
+                    <a:pt x="1155217" y="16277"/>
+                    <a:pt x="1321550" y="15209"/>
+                    <a:pt x="1553290" y="0"/>
+                  </a:cubicBezTo>
+                  <a:cubicBezTo>
+                    <a:pt x="1785030" y="-15209"/>
+                    <a:pt x="1999571" y="-24705"/>
+                    <a:pt x="2127795" y="0"/>
+                  </a:cubicBezTo>
+                  <a:cubicBezTo>
+                    <a:pt x="2106315" y="169500"/>
+                    <a:pt x="2151273" y="285308"/>
+                    <a:pt x="2127795" y="531682"/>
+                  </a:cubicBezTo>
+                  <a:cubicBezTo>
+                    <a:pt x="2104317" y="778056"/>
+                    <a:pt x="2118403" y="967639"/>
+                    <a:pt x="2127795" y="1085065"/>
+                  </a:cubicBezTo>
+                  <a:cubicBezTo>
+                    <a:pt x="1970448" y="1066755"/>
+                    <a:pt x="1767058" y="1074801"/>
+                    <a:pt x="1595846" y="1085065"/>
+                  </a:cubicBezTo>
+                  <a:cubicBezTo>
+                    <a:pt x="1424634" y="1095329"/>
+                    <a:pt x="1144488" y="1080688"/>
+                    <a:pt x="1021342" y="1085065"/>
+                  </a:cubicBezTo>
+                  <a:cubicBezTo>
+                    <a:pt x="898196" y="1089442"/>
+                    <a:pt x="704334" y="1073542"/>
+                    <a:pt x="553227" y="1085065"/>
+                  </a:cubicBezTo>
+                  <a:cubicBezTo>
+                    <a:pt x="402121" y="1096588"/>
+                    <a:pt x="151220" y="1095466"/>
+                    <a:pt x="0" y="1085065"/>
+                  </a:cubicBezTo>
+                  <a:cubicBezTo>
+                    <a:pt x="21856" y="935562"/>
+                    <a:pt x="-26363" y="762075"/>
+                    <a:pt x="0" y="542533"/>
+                  </a:cubicBezTo>
+                  <a:cubicBezTo>
+                    <a:pt x="26363" y="322991"/>
+                    <a:pt x="24427" y="211558"/>
+                    <a:pt x="0" y="0"/>
+                  </a:cubicBezTo>
+                  <a:close/>
+                </a:path>
+              </a:pathLst>
+            </a:custGeom>
+            <a:solidFill>
+              <a:schemeClr val="accent4">
+                <a:lumMod val="60000"/>
+                <a:lumOff val="40000"/>
+              </a:schemeClr>
+            </a:solidFill>
+            <a:ln w="12700">
+              <a:solidFill>
+                <a:schemeClr val="tx1"/>
+              </a:solidFill>
+              <a:extLst>
+                <a:ext uri="{C807C97D-BFC1-408E-A445-0C87EB9F89A2}">
+                  <ask:lineSketchStyleProps xmlns:ask="http://schemas.microsoft.com/office/drawing/2018/sketchyshapes" sd="1219033472">
+                    <a:prstGeom prst="rect">
+                      <a:avLst/>
+                    </a:prstGeom>
+                    <ask:type>
+                      <ask:lineSketchFreehand/>
+                    </ask:type>
+                  </ask:lineSketchStyleProps>
+                </a:ext>
+              </a:extLst>
+            </a:ln>
+            <a:effectLst/>
+          </p:spPr>
+          <p:style>
+            <a:lnRef idx="1">
+              <a:schemeClr val="accent4"/>
+            </a:lnRef>
+            <a:fillRef idx="2">
+              <a:schemeClr val="accent4"/>
+            </a:fillRef>
+            <a:effectRef idx="1">
+              <a:schemeClr val="accent4"/>
+            </a:effectRef>
+            <a:fontRef idx="minor">
+              <a:schemeClr val="dk1"/>
+            </a:fontRef>
+          </p:style>
+          <p:txBody>
+            <a:bodyPr rtlCol="0" anchor="ctr"/>
+            <a:lstStyle/>
+            <a:p>
+              <a:pPr algn="ctr"/>
+              <a:r>
+                <a:rPr lang="en-US" sz="1600" dirty="0"/>
+                <a:t>A while loop which counts up to (but not including) a user input value </a:t>
               </a:r>
             </a:p>
           </p:txBody>
@@ -5632,6 +5903,20 @@
 <file path=ppt/slides/slide10.xml><?xml version="1.0" encoding="utf-8"?>
 <p:sld xmlns:a="http://schemas.openxmlformats.org/drawingml/2006/main" xmlns:r="http://schemas.openxmlformats.org/officeDocument/2006/relationships" xmlns:p="http://schemas.openxmlformats.org/presentationml/2006/main">
   <p:cSld>
+    <p:bg>
+      <p:bgPr>
+        <a:blipFill dpi="0" rotWithShape="1">
+          <a:blip r:embed="rId2">
+            <a:lum/>
+          </a:blip>
+          <a:srcRect/>
+          <a:stretch>
+            <a:fillRect/>
+          </a:stretch>
+        </a:blipFill>
+        <a:effectLst/>
+      </p:bgPr>
+    </p:bg>
     <p:spTree>
       <p:nvGrpSpPr>
         <p:cNvPr id="1" name=""/>
@@ -5807,7 +6092,7 @@
                     </a:schemeClr>
                   </a:solidFill>
                 </a:rPr>
-                <a:t>    WriteLine(</a:t>
+                <a:t>  WriteLine(</a:t>
               </a:r>
               <a:r>
                 <a:rPr lang="en-AU" sz="1600" dirty="0" err="1">
@@ -5837,7 +6122,7 @@
               </a:pPr>
               <a:r>
                 <a:rPr lang="en-AU" sz="1600" dirty="0"/>
-                <a:t>    </a:t>
+                <a:t>  </a:t>
               </a:r>
               <a:r>
                 <a:rPr lang="en-AU" sz="1600" dirty="0" err="1"/>
@@ -5902,7 +6187,7 @@
               <p:nvPr/>
             </p:nvPicPr>
             <p:blipFill>
-              <a:blip r:embed="rId2">
+              <a:blip r:embed="rId3">
                 <a:alphaModFix amt="30000"/>
               </a:blip>
               <a:stretch>
@@ -7696,7 +7981,7 @@
             <p:nvPr/>
           </p:nvPicPr>
           <p:blipFill>
-            <a:blip r:embed="rId3">
+            <a:blip r:embed="rId4">
               <a:alphaModFix amt="30000"/>
             </a:blip>
             <a:stretch>
@@ -8540,6 +8825,280 @@
       </p:sp>
       <p:sp>
         <p:nvSpPr>
+          <p:cNvPr id="49" name="Rectangle 48">
+            <a:extLst>
+              <a:ext uri="{FF2B5EF4-FFF2-40B4-BE49-F238E27FC236}">
+                <a16:creationId xmlns:a16="http://schemas.microsoft.com/office/drawing/2014/main" id="{3F481BBB-69F5-29C3-45DB-01CA5D3A5F04}"/>
+              </a:ext>
+            </a:extLst>
+          </p:cNvPr>
+          <p:cNvSpPr/>
+          <p:nvPr/>
+        </p:nvSpPr>
+        <p:spPr>
+          <a:xfrm>
+            <a:off x="5031789" y="676094"/>
+            <a:ext cx="2127795" cy="1085065"/>
+          </a:xfrm>
+          <a:custGeom>
+            <a:avLst/>
+            <a:gdLst>
+              <a:gd name="connsiteX0" fmla="*/ 0 w 2127795"/>
+              <a:gd name="connsiteY0" fmla="*/ 0 h 1085065"/>
+              <a:gd name="connsiteX1" fmla="*/ 510671 w 2127795"/>
+              <a:gd name="connsiteY1" fmla="*/ 0 h 1085065"/>
+              <a:gd name="connsiteX2" fmla="*/ 1042620 w 2127795"/>
+              <a:gd name="connsiteY2" fmla="*/ 0 h 1085065"/>
+              <a:gd name="connsiteX3" fmla="*/ 1595846 w 2127795"/>
+              <a:gd name="connsiteY3" fmla="*/ 0 h 1085065"/>
+              <a:gd name="connsiteX4" fmla="*/ 2127795 w 2127795"/>
+              <a:gd name="connsiteY4" fmla="*/ 0 h 1085065"/>
+              <a:gd name="connsiteX5" fmla="*/ 2127795 w 2127795"/>
+              <a:gd name="connsiteY5" fmla="*/ 553383 h 1085065"/>
+              <a:gd name="connsiteX6" fmla="*/ 2127795 w 2127795"/>
+              <a:gd name="connsiteY6" fmla="*/ 1085065 h 1085065"/>
+              <a:gd name="connsiteX7" fmla="*/ 1553290 w 2127795"/>
+              <a:gd name="connsiteY7" fmla="*/ 1085065 h 1085065"/>
+              <a:gd name="connsiteX8" fmla="*/ 978786 w 2127795"/>
+              <a:gd name="connsiteY8" fmla="*/ 1085065 h 1085065"/>
+              <a:gd name="connsiteX9" fmla="*/ 0 w 2127795"/>
+              <a:gd name="connsiteY9" fmla="*/ 1085065 h 1085065"/>
+              <a:gd name="connsiteX10" fmla="*/ 0 w 2127795"/>
+              <a:gd name="connsiteY10" fmla="*/ 553383 h 1085065"/>
+              <a:gd name="connsiteX11" fmla="*/ 0 w 2127795"/>
+              <a:gd name="connsiteY11" fmla="*/ 0 h 1085065"/>
+            </a:gdLst>
+            <a:ahLst/>
+            <a:cxnLst>
+              <a:cxn ang="0">
+                <a:pos x="connsiteX0" y="connsiteY0"/>
+              </a:cxn>
+              <a:cxn ang="0">
+                <a:pos x="connsiteX1" y="connsiteY1"/>
+              </a:cxn>
+              <a:cxn ang="0">
+                <a:pos x="connsiteX2" y="connsiteY2"/>
+              </a:cxn>
+              <a:cxn ang="0">
+                <a:pos x="connsiteX3" y="connsiteY3"/>
+              </a:cxn>
+              <a:cxn ang="0">
+                <a:pos x="connsiteX4" y="connsiteY4"/>
+              </a:cxn>
+              <a:cxn ang="0">
+                <a:pos x="connsiteX5" y="connsiteY5"/>
+              </a:cxn>
+              <a:cxn ang="0">
+                <a:pos x="connsiteX6" y="connsiteY6"/>
+              </a:cxn>
+              <a:cxn ang="0">
+                <a:pos x="connsiteX7" y="connsiteY7"/>
+              </a:cxn>
+              <a:cxn ang="0">
+                <a:pos x="connsiteX8" y="connsiteY8"/>
+              </a:cxn>
+              <a:cxn ang="0">
+                <a:pos x="connsiteX9" y="connsiteY9"/>
+              </a:cxn>
+              <a:cxn ang="0">
+                <a:pos x="connsiteX10" y="connsiteY10"/>
+              </a:cxn>
+              <a:cxn ang="0">
+                <a:pos x="connsiteX11" y="connsiteY11"/>
+              </a:cxn>
+            </a:cxnLst>
+            <a:rect l="l" t="t" r="r" b="b"/>
+            <a:pathLst>
+              <a:path w="2127795" h="1085065" fill="none" extrusionOk="0">
+                <a:moveTo>
+                  <a:pt x="0" y="0"/>
+                </a:moveTo>
+                <a:cubicBezTo>
+                  <a:pt x="119302" y="-23815"/>
+                  <a:pt x="321953" y="-4268"/>
+                  <a:pt x="510671" y="0"/>
+                </a:cubicBezTo>
+                <a:cubicBezTo>
+                  <a:pt x="699389" y="4268"/>
+                  <a:pt x="838038" y="-4296"/>
+                  <a:pt x="1042620" y="0"/>
+                </a:cubicBezTo>
+                <a:cubicBezTo>
+                  <a:pt x="1247202" y="4296"/>
+                  <a:pt x="1418238" y="-20161"/>
+                  <a:pt x="1595846" y="0"/>
+                </a:cubicBezTo>
+                <a:cubicBezTo>
+                  <a:pt x="1773454" y="20161"/>
+                  <a:pt x="1930348" y="288"/>
+                  <a:pt x="2127795" y="0"/>
+                </a:cubicBezTo>
+                <a:cubicBezTo>
+                  <a:pt x="2127420" y="271704"/>
+                  <a:pt x="2137858" y="397892"/>
+                  <a:pt x="2127795" y="553383"/>
+                </a:cubicBezTo>
+                <a:cubicBezTo>
+                  <a:pt x="2117732" y="708874"/>
+                  <a:pt x="2106280" y="956975"/>
+                  <a:pt x="2127795" y="1085065"/>
+                </a:cubicBezTo>
+                <a:cubicBezTo>
+                  <a:pt x="1890946" y="1101697"/>
+                  <a:pt x="1709293" y="1081968"/>
+                  <a:pt x="1553290" y="1085065"/>
+                </a:cubicBezTo>
+                <a:cubicBezTo>
+                  <a:pt x="1397287" y="1088162"/>
+                  <a:pt x="1242166" y="1089720"/>
+                  <a:pt x="978786" y="1085065"/>
+                </a:cubicBezTo>
+                <a:cubicBezTo>
+                  <a:pt x="715406" y="1080410"/>
+                  <a:pt x="281211" y="1084892"/>
+                  <a:pt x="0" y="1085065"/>
+                </a:cubicBezTo>
+                <a:cubicBezTo>
+                  <a:pt x="-13849" y="960040"/>
+                  <a:pt x="-19899" y="725067"/>
+                  <a:pt x="0" y="553383"/>
+                </a:cubicBezTo>
+                <a:cubicBezTo>
+                  <a:pt x="19899" y="381699"/>
+                  <a:pt x="-3693" y="272116"/>
+                  <a:pt x="0" y="0"/>
+                </a:cubicBezTo>
+                <a:close/>
+              </a:path>
+              <a:path w="2127795" h="1085065" stroke="0" extrusionOk="0">
+                <a:moveTo>
+                  <a:pt x="0" y="0"/>
+                </a:moveTo>
+                <a:cubicBezTo>
+                  <a:pt x="171248" y="-8495"/>
+                  <a:pt x="325453" y="21877"/>
+                  <a:pt x="510671" y="0"/>
+                </a:cubicBezTo>
+                <a:cubicBezTo>
+                  <a:pt x="695889" y="-21877"/>
+                  <a:pt x="802356" y="-16277"/>
+                  <a:pt x="978786" y="0"/>
+                </a:cubicBezTo>
+                <a:cubicBezTo>
+                  <a:pt x="1155217" y="16277"/>
+                  <a:pt x="1321550" y="15209"/>
+                  <a:pt x="1553290" y="0"/>
+                </a:cubicBezTo>
+                <a:cubicBezTo>
+                  <a:pt x="1785030" y="-15209"/>
+                  <a:pt x="1999571" y="-24705"/>
+                  <a:pt x="2127795" y="0"/>
+                </a:cubicBezTo>
+                <a:cubicBezTo>
+                  <a:pt x="2106315" y="169500"/>
+                  <a:pt x="2151273" y="285308"/>
+                  <a:pt x="2127795" y="531682"/>
+                </a:cubicBezTo>
+                <a:cubicBezTo>
+                  <a:pt x="2104317" y="778056"/>
+                  <a:pt x="2118403" y="967639"/>
+                  <a:pt x="2127795" y="1085065"/>
+                </a:cubicBezTo>
+                <a:cubicBezTo>
+                  <a:pt x="1970448" y="1066755"/>
+                  <a:pt x="1767058" y="1074801"/>
+                  <a:pt x="1595846" y="1085065"/>
+                </a:cubicBezTo>
+                <a:cubicBezTo>
+                  <a:pt x="1424634" y="1095329"/>
+                  <a:pt x="1144488" y="1080688"/>
+                  <a:pt x="1021342" y="1085065"/>
+                </a:cubicBezTo>
+                <a:cubicBezTo>
+                  <a:pt x="898196" y="1089442"/>
+                  <a:pt x="704334" y="1073542"/>
+                  <a:pt x="553227" y="1085065"/>
+                </a:cubicBezTo>
+                <a:cubicBezTo>
+                  <a:pt x="402121" y="1096588"/>
+                  <a:pt x="151220" y="1095466"/>
+                  <a:pt x="0" y="1085065"/>
+                </a:cubicBezTo>
+                <a:cubicBezTo>
+                  <a:pt x="21856" y="935562"/>
+                  <a:pt x="-26363" y="762075"/>
+                  <a:pt x="0" y="542533"/>
+                </a:cubicBezTo>
+                <a:cubicBezTo>
+                  <a:pt x="26363" y="322991"/>
+                  <a:pt x="24427" y="211558"/>
+                  <a:pt x="0" y="0"/>
+                </a:cubicBezTo>
+                <a:close/>
+              </a:path>
+            </a:pathLst>
+          </a:custGeom>
+          <a:solidFill>
+            <a:schemeClr val="accent4">
+              <a:lumMod val="60000"/>
+              <a:lumOff val="40000"/>
+            </a:schemeClr>
+          </a:solidFill>
+          <a:ln w="12700">
+            <a:solidFill>
+              <a:schemeClr val="tx1"/>
+            </a:solidFill>
+            <a:extLst>
+              <a:ext uri="{C807C97D-BFC1-408E-A445-0C87EB9F89A2}">
+                <ask:lineSketchStyleProps xmlns:ask="http://schemas.microsoft.com/office/drawing/2018/sketchyshapes" sd="1219033472">
+                  <a:prstGeom prst="rect">
+                    <a:avLst/>
+                  </a:prstGeom>
+                  <ask:type>
+                    <ask:lineSketchFreehand/>
+                  </ask:type>
+                </ask:lineSketchStyleProps>
+              </a:ext>
+            </a:extLst>
+          </a:ln>
+          <a:effectLst/>
+        </p:spPr>
+        <p:style>
+          <a:lnRef idx="1">
+            <a:schemeClr val="accent4"/>
+          </a:lnRef>
+          <a:fillRef idx="2">
+            <a:schemeClr val="accent4"/>
+          </a:fillRef>
+          <a:effectRef idx="1">
+            <a:schemeClr val="accent4"/>
+          </a:effectRef>
+          <a:fontRef idx="minor">
+            <a:schemeClr val="dk1"/>
+          </a:fontRef>
+        </p:style>
+        <p:txBody>
+          <a:bodyPr rtlCol="0" anchor="ctr"/>
+          <a:lstStyle/>
+          <a:p>
+            <a:pPr algn="ctr"/>
+            <a:r>
+              <a:rPr lang="en-US" sz="1600" dirty="0"/>
+              <a:t>Let’s jump ahead to where </a:t>
+            </a:r>
+            <a:r>
+              <a:rPr lang="en-US" sz="1600" dirty="0" err="1"/>
+              <a:t>i</a:t>
+            </a:r>
+            <a:r>
+              <a:rPr lang="en-US" sz="1600" dirty="0"/>
+              <a:t> has just been incremented to 10</a:t>
+            </a:r>
+          </a:p>
+        </p:txBody>
+      </p:sp>
+      <p:sp>
+        <p:nvSpPr>
           <p:cNvPr id="69" name="TextBox 68">
             <a:extLst>
               <a:ext uri="{FF2B5EF4-FFF2-40B4-BE49-F238E27FC236}">
@@ -8664,6 +9223,20 @@
 <file path=ppt/slides/slide11.xml><?xml version="1.0" encoding="utf-8"?>
 <p:sld xmlns:a="http://schemas.openxmlformats.org/drawingml/2006/main" xmlns:r="http://schemas.openxmlformats.org/officeDocument/2006/relationships" xmlns:p="http://schemas.openxmlformats.org/presentationml/2006/main">
   <p:cSld>
+    <p:bg>
+      <p:bgPr>
+        <a:blipFill dpi="0" rotWithShape="1">
+          <a:blip r:embed="rId2">
+            <a:lum/>
+          </a:blip>
+          <a:srcRect/>
+          <a:stretch>
+            <a:fillRect/>
+          </a:stretch>
+        </a:blipFill>
+        <a:effectLst/>
+      </p:bgPr>
+    </p:bg>
     <p:spTree>
       <p:nvGrpSpPr>
         <p:cNvPr id="1" name=""/>
@@ -8821,7 +9394,7 @@
                     </a:schemeClr>
                   </a:solidFill>
                 </a:rPr>
-                <a:t>    WriteLine(</a:t>
+                <a:t>  WriteLine(</a:t>
               </a:r>
               <a:r>
                 <a:rPr lang="en-AU" sz="1600" dirty="0" err="1">
@@ -8857,7 +9430,7 @@
                     </a:schemeClr>
                   </a:solidFill>
                 </a:rPr>
-                <a:t>    </a:t>
+                <a:t>  </a:t>
               </a:r>
               <a:r>
                 <a:rPr lang="en-AU" sz="1600" dirty="0" err="1">
@@ -8934,7 +9507,7 @@
               <p:nvPr/>
             </p:nvPicPr>
             <p:blipFill>
-              <a:blip r:embed="rId2">
+              <a:blip r:embed="rId3">
                 <a:alphaModFix amt="30000"/>
               </a:blip>
               <a:stretch>
@@ -10728,7 +11301,7 @@
             <p:nvPr/>
           </p:nvPicPr>
           <p:blipFill>
-            <a:blip r:embed="rId3">
+            <a:blip r:embed="rId4">
               <a:alphaModFix amt="30000"/>
             </a:blip>
             <a:stretch>
@@ -11543,6 +12116,20 @@
 <file path=ppt/slides/slide2.xml><?xml version="1.0" encoding="utf-8"?>
 <p:sld xmlns:a="http://schemas.openxmlformats.org/drawingml/2006/main" xmlns:r="http://schemas.openxmlformats.org/officeDocument/2006/relationships" xmlns:p="http://schemas.openxmlformats.org/presentationml/2006/main">
   <p:cSld>
+    <p:bg>
+      <p:bgPr>
+        <a:blipFill dpi="0" rotWithShape="1">
+          <a:blip r:embed="rId2">
+            <a:lum/>
+          </a:blip>
+          <a:srcRect/>
+          <a:stretch>
+            <a:fillRect/>
+          </a:stretch>
+        </a:blipFill>
+        <a:effectLst/>
+      </p:bgPr>
+    </p:bg>
     <p:spTree>
       <p:nvGrpSpPr>
         <p:cNvPr id="1" name=""/>
@@ -11700,7 +12287,7 @@
                     </a:schemeClr>
                   </a:solidFill>
                 </a:rPr>
-                <a:t>    WriteLine(</a:t>
+                <a:t>  WriteLine(</a:t>
               </a:r>
               <a:r>
                 <a:rPr lang="en-AU" sz="1600" dirty="0" err="1">
@@ -11736,7 +12323,7 @@
                     </a:schemeClr>
                   </a:solidFill>
                 </a:rPr>
-                <a:t>    </a:t>
+                <a:t>  </a:t>
               </a:r>
               <a:r>
                 <a:rPr lang="en-AU" sz="1600" dirty="0" err="1">
@@ -11813,7 +12400,7 @@
               <p:nvPr/>
             </p:nvPicPr>
             <p:blipFill>
-              <a:blip r:embed="rId2">
+              <a:blip r:embed="rId3">
                 <a:alphaModFix amt="30000"/>
               </a:blip>
               <a:stretch>
@@ -13926,7 +14513,7 @@
             <p:nvPr/>
           </p:nvPicPr>
           <p:blipFill>
-            <a:blip r:embed="rId3">
+            <a:blip r:embed="rId4">
               <a:alphaModFix amt="30000"/>
             </a:blip>
             <a:stretch>
@@ -14453,6 +15040,20 @@
 <file path=ppt/slides/slide3.xml><?xml version="1.0" encoding="utf-8"?>
 <p:sld xmlns:a="http://schemas.openxmlformats.org/drawingml/2006/main" xmlns:r="http://schemas.openxmlformats.org/officeDocument/2006/relationships" xmlns:p="http://schemas.openxmlformats.org/presentationml/2006/main">
   <p:cSld>
+    <p:bg>
+      <p:bgPr>
+        <a:blipFill dpi="0" rotWithShape="1">
+          <a:blip r:embed="rId2">
+            <a:lum/>
+          </a:blip>
+          <a:srcRect/>
+          <a:stretch>
+            <a:fillRect/>
+          </a:stretch>
+        </a:blipFill>
+        <a:effectLst/>
+      </p:bgPr>
+    </p:bg>
     <p:spTree>
       <p:nvGrpSpPr>
         <p:cNvPr id="1" name=""/>
@@ -14610,7 +15211,7 @@
                     </a:schemeClr>
                   </a:solidFill>
                 </a:rPr>
-                <a:t>    WriteLine(</a:t>
+                <a:t>  WriteLine(</a:t>
               </a:r>
               <a:r>
                 <a:rPr lang="en-AU" sz="1600" dirty="0" err="1">
@@ -14646,7 +15247,7 @@
                     </a:schemeClr>
                   </a:solidFill>
                 </a:rPr>
-                <a:t>    </a:t>
+                <a:t>  </a:t>
               </a:r>
               <a:r>
                 <a:rPr lang="en-AU" sz="1600" dirty="0" err="1">
@@ -14723,7 +15324,7 @@
               <p:nvPr/>
             </p:nvPicPr>
             <p:blipFill>
-              <a:blip r:embed="rId2">
+              <a:blip r:embed="rId3">
                 <a:alphaModFix amt="30000"/>
               </a:blip>
               <a:stretch>
@@ -16822,7 +17423,7 @@
             <p:nvPr/>
           </p:nvPicPr>
           <p:blipFill>
-            <a:blip r:embed="rId3">
+            <a:blip r:embed="rId4">
               <a:alphaModFix amt="30000"/>
             </a:blip>
             <a:stretch>
@@ -17349,6 +17950,20 @@
 <file path=ppt/slides/slide4.xml><?xml version="1.0" encoding="utf-8"?>
 <p:sld xmlns:a="http://schemas.openxmlformats.org/drawingml/2006/main" xmlns:r="http://schemas.openxmlformats.org/officeDocument/2006/relationships" xmlns:p="http://schemas.openxmlformats.org/presentationml/2006/main">
   <p:cSld>
+    <p:bg>
+      <p:bgPr>
+        <a:blipFill dpi="0" rotWithShape="1">
+          <a:blip r:embed="rId2">
+            <a:lum/>
+          </a:blip>
+          <a:srcRect/>
+          <a:stretch>
+            <a:fillRect/>
+          </a:stretch>
+        </a:blipFill>
+        <a:effectLst/>
+      </p:bgPr>
+    </p:bg>
     <p:spTree>
       <p:nvGrpSpPr>
         <p:cNvPr id="1" name=""/>
@@ -17518,7 +18133,7 @@
                     </a:schemeClr>
                   </a:solidFill>
                 </a:rPr>
-                <a:t>    WriteLine(</a:t>
+                <a:t>  WriteLine(</a:t>
               </a:r>
               <a:r>
                 <a:rPr lang="en-AU" sz="1600" dirty="0" err="1">
@@ -17554,7 +18169,7 @@
                     </a:schemeClr>
                   </a:solidFill>
                 </a:rPr>
-                <a:t>    </a:t>
+                <a:t>  </a:t>
               </a:r>
               <a:r>
                 <a:rPr lang="en-AU" sz="1600" dirty="0" err="1">
@@ -17631,7 +18246,7 @@
               <p:nvPr/>
             </p:nvPicPr>
             <p:blipFill>
-              <a:blip r:embed="rId2">
+              <a:blip r:embed="rId3">
                 <a:alphaModFix amt="30000"/>
               </a:blip>
               <a:stretch>
@@ -19744,7 +20359,7 @@
             <p:nvPr/>
           </p:nvPicPr>
           <p:blipFill>
-            <a:blip r:embed="rId3">
+            <a:blip r:embed="rId4">
               <a:alphaModFix amt="30000"/>
             </a:blip>
             <a:stretch>
@@ -20295,6 +20910,20 @@
 <file path=ppt/slides/slide5.xml><?xml version="1.0" encoding="utf-8"?>
 <p:sld xmlns:a="http://schemas.openxmlformats.org/drawingml/2006/main" xmlns:r="http://schemas.openxmlformats.org/officeDocument/2006/relationships" xmlns:p="http://schemas.openxmlformats.org/presentationml/2006/main">
   <p:cSld>
+    <p:bg>
+      <p:bgPr>
+        <a:blipFill dpi="0" rotWithShape="1">
+          <a:blip r:embed="rId2">
+            <a:lum/>
+          </a:blip>
+          <a:srcRect/>
+          <a:stretch>
+            <a:fillRect/>
+          </a:stretch>
+        </a:blipFill>
+        <a:effectLst/>
+      </p:bgPr>
+    </p:bg>
     <p:spTree>
       <p:nvGrpSpPr>
         <p:cNvPr id="1" name=""/>
@@ -20464,7 +21093,7 @@
               </a:pPr>
               <a:r>
                 <a:rPr lang="en-AU" sz="1600" dirty="0"/>
-                <a:t>    WriteLine(</a:t>
+                <a:t>  WriteLine(</a:t>
               </a:r>
               <a:r>
                 <a:rPr lang="en-AU" sz="1600" dirty="0" err="1"/>
@@ -20488,7 +21117,7 @@
                     </a:schemeClr>
                   </a:solidFill>
                 </a:rPr>
-                <a:t>    </a:t>
+                <a:t>  </a:t>
               </a:r>
               <a:r>
                 <a:rPr lang="en-AU" sz="1600" dirty="0" err="1">
@@ -20565,7 +21194,7 @@
               <p:nvPr/>
             </p:nvPicPr>
             <p:blipFill>
-              <a:blip r:embed="rId2">
+              <a:blip r:embed="rId3">
                 <a:alphaModFix amt="30000"/>
               </a:blip>
               <a:stretch>
@@ -22402,7 +23031,7 @@
             <p:nvPr/>
           </p:nvPicPr>
           <p:blipFill>
-            <a:blip r:embed="rId3">
+            <a:blip r:embed="rId4">
               <a:alphaModFix amt="30000"/>
             </a:blip>
             <a:stretch>
@@ -23168,6 +23797,20 @@
 <file path=ppt/slides/slide6.xml><?xml version="1.0" encoding="utf-8"?>
 <p:sld xmlns:a="http://schemas.openxmlformats.org/drawingml/2006/main" xmlns:r="http://schemas.openxmlformats.org/officeDocument/2006/relationships" xmlns:p="http://schemas.openxmlformats.org/presentationml/2006/main">
   <p:cSld>
+    <p:bg>
+      <p:bgPr>
+        <a:blipFill dpi="0" rotWithShape="1">
+          <a:blip r:embed="rId2">
+            <a:lum/>
+          </a:blip>
+          <a:srcRect/>
+          <a:stretch>
+            <a:fillRect/>
+          </a:stretch>
+        </a:blipFill>
+        <a:effectLst/>
+      </p:bgPr>
+    </p:bg>
     <p:spTree>
       <p:nvGrpSpPr>
         <p:cNvPr id="1" name=""/>
@@ -23343,7 +23986,7 @@
                     </a:schemeClr>
                   </a:solidFill>
                 </a:rPr>
-                <a:t>    WriteLine(</a:t>
+                <a:t>  WriteLine(</a:t>
               </a:r>
               <a:r>
                 <a:rPr lang="en-AU" sz="1600" dirty="0" err="1">
@@ -23373,7 +24016,7 @@
               </a:pPr>
               <a:r>
                 <a:rPr lang="en-AU" sz="1600" dirty="0"/>
-                <a:t>    </a:t>
+                <a:t>  </a:t>
               </a:r>
               <a:r>
                 <a:rPr lang="en-AU" sz="1600" dirty="0" err="1"/>
@@ -23438,7 +24081,7 @@
               <p:nvPr/>
             </p:nvPicPr>
             <p:blipFill>
-              <a:blip r:embed="rId2">
+              <a:blip r:embed="rId3">
                 <a:alphaModFix amt="30000"/>
               </a:blip>
               <a:stretch>
@@ -25277,7 +25920,7 @@
             <p:nvPr/>
           </p:nvPicPr>
           <p:blipFill>
-            <a:blip r:embed="rId3">
+            <a:blip r:embed="rId4">
               <a:alphaModFix amt="30000"/>
             </a:blip>
             <a:stretch>
@@ -26188,6 +26831,20 @@
 <file path=ppt/slides/slide7.xml><?xml version="1.0" encoding="utf-8"?>
 <p:sld xmlns:a="http://schemas.openxmlformats.org/drawingml/2006/main" xmlns:r="http://schemas.openxmlformats.org/officeDocument/2006/relationships" xmlns:p="http://schemas.openxmlformats.org/presentationml/2006/main">
   <p:cSld>
+    <p:bg>
+      <p:bgPr>
+        <a:blipFill dpi="0" rotWithShape="1">
+          <a:blip r:embed="rId2">
+            <a:lum/>
+          </a:blip>
+          <a:srcRect/>
+          <a:stretch>
+            <a:fillRect/>
+          </a:stretch>
+        </a:blipFill>
+        <a:effectLst/>
+      </p:bgPr>
+    </p:bg>
     <p:spTree>
       <p:nvGrpSpPr>
         <p:cNvPr id="1" name=""/>
@@ -26345,7 +27002,7 @@
                     </a:schemeClr>
                   </a:solidFill>
                 </a:rPr>
-                <a:t>    WriteLine(</a:t>
+                <a:t>  WriteLine(</a:t>
               </a:r>
               <a:r>
                 <a:rPr lang="en-AU" sz="1600" dirty="0" err="1">
@@ -26381,7 +27038,7 @@
                     </a:schemeClr>
                   </a:solidFill>
                 </a:rPr>
-                <a:t>    </a:t>
+                <a:t>  </a:t>
               </a:r>
               <a:r>
                 <a:rPr lang="en-AU" sz="1600" dirty="0" err="1">
@@ -26458,7 +27115,7 @@
               <p:nvPr/>
             </p:nvPicPr>
             <p:blipFill>
-              <a:blip r:embed="rId2">
+              <a:blip r:embed="rId3">
                 <a:alphaModFix amt="30000"/>
               </a:blip>
               <a:stretch>
@@ -28252,7 +28909,7 @@
             <p:nvPr/>
           </p:nvPicPr>
           <p:blipFill>
-            <a:blip r:embed="rId3">
+            <a:blip r:embed="rId4">
               <a:alphaModFix amt="30000"/>
             </a:blip>
             <a:stretch>
@@ -29055,6 +29712,20 @@
 <file path=ppt/slides/slide8.xml><?xml version="1.0" encoding="utf-8"?>
 <p:sld xmlns:a="http://schemas.openxmlformats.org/drawingml/2006/main" xmlns:r="http://schemas.openxmlformats.org/officeDocument/2006/relationships" xmlns:p="http://schemas.openxmlformats.org/presentationml/2006/main">
   <p:cSld>
+    <p:bg>
+      <p:bgPr>
+        <a:blipFill dpi="0" rotWithShape="1">
+          <a:blip r:embed="rId2">
+            <a:lum/>
+          </a:blip>
+          <a:srcRect/>
+          <a:stretch>
+            <a:fillRect/>
+          </a:stretch>
+        </a:blipFill>
+        <a:effectLst/>
+      </p:bgPr>
+    </p:bg>
     <p:spTree>
       <p:nvGrpSpPr>
         <p:cNvPr id="1" name=""/>
@@ -29224,7 +29895,7 @@
               </a:pPr>
               <a:r>
                 <a:rPr lang="en-AU" sz="1600" dirty="0"/>
-                <a:t>    WriteLine(</a:t>
+                <a:t>  WriteLine(</a:t>
               </a:r>
               <a:r>
                 <a:rPr lang="en-AU" sz="1600" dirty="0" err="1"/>
@@ -29248,7 +29919,7 @@
                     </a:schemeClr>
                   </a:solidFill>
                 </a:rPr>
-                <a:t>    </a:t>
+                <a:t>  </a:t>
               </a:r>
               <a:r>
                 <a:rPr lang="en-AU" sz="1600" dirty="0" err="1">
@@ -29324,7 +29995,7 @@
               <p:nvPr/>
             </p:nvPicPr>
             <p:blipFill>
-              <a:blip r:embed="rId2">
+              <a:blip r:embed="rId3">
                 <a:alphaModFix amt="30000"/>
               </a:blip>
               <a:stretch>
@@ -31161,7 +31832,7 @@
             <p:nvPr/>
           </p:nvPicPr>
           <p:blipFill>
-            <a:blip r:embed="rId3">
+            <a:blip r:embed="rId4">
               <a:alphaModFix amt="30000"/>
             </a:blip>
             <a:stretch>
@@ -31959,6 +32630,20 @@
 <file path=ppt/slides/slide9.xml><?xml version="1.0" encoding="utf-8"?>
 <p:sld xmlns:a="http://schemas.openxmlformats.org/drawingml/2006/main" xmlns:r="http://schemas.openxmlformats.org/officeDocument/2006/relationships" xmlns:p="http://schemas.openxmlformats.org/presentationml/2006/main">
   <p:cSld>
+    <p:bg>
+      <p:bgPr>
+        <a:blipFill dpi="0" rotWithShape="1">
+          <a:blip r:embed="rId2">
+            <a:lum/>
+          </a:blip>
+          <a:srcRect/>
+          <a:stretch>
+            <a:fillRect/>
+          </a:stretch>
+        </a:blipFill>
+        <a:effectLst/>
+      </p:bgPr>
+    </p:bg>
     <p:spTree>
       <p:nvGrpSpPr>
         <p:cNvPr id="1" name=""/>
@@ -31987,7 +32672,7 @@
         </p:nvGrpSpPr>
         <p:grpSpPr>
           <a:xfrm>
-            <a:off x="229043" y="221589"/>
+            <a:off x="229043" y="371219"/>
             <a:ext cx="7101587" cy="4685065"/>
             <a:chOff x="231271" y="-2890187"/>
             <a:chExt cx="7101587" cy="4685065"/>
@@ -32134,7 +32819,7 @@
                     </a:schemeClr>
                   </a:solidFill>
                 </a:rPr>
-                <a:t>    WriteLine(</a:t>
+                <a:t>  WriteLine(</a:t>
               </a:r>
               <a:r>
                 <a:rPr lang="en-AU" sz="1600" dirty="0" err="1">
@@ -32164,7 +32849,7 @@
               </a:pPr>
               <a:r>
                 <a:rPr lang="en-AU" sz="1600" dirty="0"/>
-                <a:t>    </a:t>
+                <a:t>  </a:t>
               </a:r>
               <a:r>
                 <a:rPr lang="en-AU" sz="1600" dirty="0" err="1"/>
@@ -32229,7 +32914,7 @@
               <p:nvPr/>
             </p:nvPicPr>
             <p:blipFill>
-              <a:blip r:embed="rId2">
+              <a:blip r:embed="rId3">
                 <a:alphaModFix amt="30000"/>
               </a:blip>
               <a:stretch>
@@ -34049,7 +34734,7 @@
             <p:nvPr/>
           </p:nvPicPr>
           <p:blipFill>
-            <a:blip r:embed="rId3">
+            <a:blip r:embed="rId4">
               <a:alphaModFix amt="30000"/>
             </a:blip>
             <a:stretch>
@@ -34106,6 +34791,125 @@
       </p:grpSp>
       <p:grpSp>
         <p:nvGrpSpPr>
+          <p:cNvPr id="20" name="Group 19">
+            <a:extLst>
+              <a:ext uri="{FF2B5EF4-FFF2-40B4-BE49-F238E27FC236}">
+                <a16:creationId xmlns:a16="http://schemas.microsoft.com/office/drawing/2014/main" id="{CFDFA45D-FB80-7473-15AD-5510CE9817D2}"/>
+              </a:ext>
+            </a:extLst>
+          </p:cNvPr>
+          <p:cNvGrpSpPr/>
+          <p:nvPr/>
+        </p:nvGrpSpPr>
+        <p:grpSpPr>
+          <a:xfrm>
+            <a:off x="1912319" y="2088681"/>
+            <a:ext cx="407468" cy="1677227"/>
+            <a:chOff x="1668759" y="-13958058"/>
+            <a:chExt cx="487848" cy="22198517"/>
+          </a:xfrm>
+        </p:grpSpPr>
+        <p:cxnSp>
+          <p:nvCxnSpPr>
+            <p:cNvPr id="22" name="Straight Arrow Connector 55">
+              <a:extLst>
+                <a:ext uri="{FF2B5EF4-FFF2-40B4-BE49-F238E27FC236}">
+                  <a16:creationId xmlns:a16="http://schemas.microsoft.com/office/drawing/2014/main" id="{983D9F78-2D6B-5B7B-1CC8-21E49EACB0DC}"/>
+                </a:ext>
+              </a:extLst>
+            </p:cNvPr>
+            <p:cNvCxnSpPr>
+              <a:cxnSpLocks/>
+            </p:cNvCxnSpPr>
+            <p:nvPr/>
+          </p:nvCxnSpPr>
+          <p:spPr>
+            <a:xfrm rot="5400000" flipH="1" flipV="1">
+              <a:off x="-7504250" y="-4785019"/>
+              <a:ext cx="18833896" cy="487818"/>
+            </a:xfrm>
+            <a:prstGeom prst="bentConnector3">
+              <a:avLst>
+                <a:gd name="adj1" fmla="val 100645"/>
+              </a:avLst>
+            </a:prstGeom>
+            <a:ln w="19050" cap="rnd" cmpd="sng">
+              <a:solidFill>
+                <a:schemeClr val="tx1"/>
+              </a:solidFill>
+              <a:prstDash val="dash"/>
+              <a:round/>
+              <a:tailEnd type="triangle"/>
+            </a:ln>
+          </p:spPr>
+          <p:style>
+            <a:lnRef idx="1">
+              <a:schemeClr val="accent1"/>
+            </a:lnRef>
+            <a:fillRef idx="0">
+              <a:schemeClr val="accent1"/>
+            </a:fillRef>
+            <a:effectRef idx="0">
+              <a:schemeClr val="accent1"/>
+            </a:effectRef>
+            <a:fontRef idx="minor">
+              <a:schemeClr val="tx1"/>
+            </a:fontRef>
+          </p:style>
+        </p:cxnSp>
+        <p:sp>
+          <p:nvSpPr>
+            <p:cNvPr id="23" name="Rectangle 22">
+              <a:extLst>
+                <a:ext uri="{FF2B5EF4-FFF2-40B4-BE49-F238E27FC236}">
+                  <a16:creationId xmlns:a16="http://schemas.microsoft.com/office/drawing/2014/main" id="{54D23E4E-CD3B-49CB-B537-83E58C7B9B9B}"/>
+                </a:ext>
+              </a:extLst>
+            </p:cNvPr>
+            <p:cNvSpPr/>
+            <p:nvPr/>
+          </p:nvSpPr>
+          <p:spPr>
+            <a:xfrm>
+              <a:off x="1668759" y="7932682"/>
+              <a:ext cx="343070" cy="307777"/>
+            </a:xfrm>
+            <a:prstGeom prst="rect">
+              <a:avLst/>
+            </a:prstGeom>
+            <a:noFill/>
+            <a:ln>
+              <a:noFill/>
+            </a:ln>
+          </p:spPr>
+          <p:style>
+            <a:lnRef idx="2">
+              <a:schemeClr val="accent1">
+                <a:shade val="15000"/>
+              </a:schemeClr>
+            </a:lnRef>
+            <a:fillRef idx="1">
+              <a:schemeClr val="accent1"/>
+            </a:fillRef>
+            <a:effectRef idx="0">
+              <a:schemeClr val="accent1"/>
+            </a:effectRef>
+            <a:fontRef idx="minor">
+              <a:schemeClr val="lt1"/>
+            </a:fontRef>
+          </p:style>
+          <p:txBody>
+            <a:bodyPr rtlCol="0" anchor="ctr"/>
+            <a:lstStyle/>
+            <a:p>
+              <a:pPr algn="ctr"/>
+              <a:endParaRPr lang="en-US"/>
+            </a:p>
+          </p:txBody>
+        </p:sp>
+      </p:grpSp>
+      <p:grpSp>
+        <p:nvGrpSpPr>
           <p:cNvPr id="27" name="Group 26">
             <a:extLst>
               <a:ext uri="{FF2B5EF4-FFF2-40B4-BE49-F238E27FC236}">
@@ -34118,7 +34922,7 @@
         </p:nvGrpSpPr>
         <p:grpSpPr>
           <a:xfrm>
-            <a:off x="325682" y="1501252"/>
+            <a:off x="325682" y="1650882"/>
             <a:ext cx="1503543" cy="692460"/>
             <a:chOff x="325682" y="1650882"/>
             <a:chExt cx="1503543" cy="692460"/>
@@ -34379,7 +35183,7 @@
         </p:nvGrpSpPr>
         <p:grpSpPr>
           <a:xfrm>
-            <a:off x="295207" y="2158753"/>
+            <a:off x="295207" y="2308383"/>
             <a:ext cx="1503543" cy="682835"/>
             <a:chOff x="295207" y="2308383"/>
             <a:chExt cx="1503543" cy="682835"/>
@@ -34655,7 +35459,7 @@
         </p:nvCxnSpPr>
         <p:spPr>
           <a:xfrm>
-            <a:off x="986944" y="2016254"/>
+            <a:off x="986944" y="2165884"/>
             <a:ext cx="298436" cy="12702"/>
           </a:xfrm>
           <a:prstGeom prst="curvedConnector3">
@@ -34704,7 +35508,7 @@
         </p:nvCxnSpPr>
         <p:spPr>
           <a:xfrm>
-            <a:off x="581085" y="2014648"/>
+            <a:off x="581085" y="2164278"/>
             <a:ext cx="298436" cy="12702"/>
           </a:xfrm>
           <a:prstGeom prst="curvedConnector3">
@@ -34751,7 +35555,7 @@
         </p:nvSpPr>
         <p:spPr>
           <a:xfrm>
-            <a:off x="1304634" y="1839409"/>
+            <a:off x="1304634" y="1989039"/>
             <a:ext cx="543099" cy="369332"/>
           </a:xfrm>
           <a:prstGeom prst="rect">
@@ -34786,7 +35590,7 @@
         </p:nvSpPr>
         <p:spPr>
           <a:xfrm>
-            <a:off x="3346926" y="3612854"/>
+            <a:off x="3346926" y="3762484"/>
             <a:ext cx="3971192" cy="923330"/>
           </a:xfrm>
           <a:prstGeom prst="rect">
@@ -34853,7 +35657,7 @@
         </p:nvCxnSpPr>
         <p:spPr>
           <a:xfrm flipV="1">
-            <a:off x="3490928" y="4532533"/>
+            <a:off x="3490928" y="4682163"/>
             <a:ext cx="0" cy="155924"/>
           </a:xfrm>
           <a:prstGeom prst="line">
@@ -34882,125 +35686,6 @@
           </a:fontRef>
         </p:style>
       </p:cxnSp>
-      <p:grpSp>
-        <p:nvGrpSpPr>
-          <p:cNvPr id="8" name="Group 7">
-            <a:extLst>
-              <a:ext uri="{FF2B5EF4-FFF2-40B4-BE49-F238E27FC236}">
-                <a16:creationId xmlns:a16="http://schemas.microsoft.com/office/drawing/2014/main" id="{ED943CCE-27AF-26D3-EC08-6B0E5124FB6C}"/>
-              </a:ext>
-            </a:extLst>
-          </p:cNvPr>
-          <p:cNvGrpSpPr/>
-          <p:nvPr/>
-        </p:nvGrpSpPr>
-        <p:grpSpPr>
-          <a:xfrm>
-            <a:off x="1912319" y="2088681"/>
-            <a:ext cx="407468" cy="1677227"/>
-            <a:chOff x="1668759" y="-13958058"/>
-            <a:chExt cx="487848" cy="22198517"/>
-          </a:xfrm>
-        </p:grpSpPr>
-        <p:cxnSp>
-          <p:nvCxnSpPr>
-            <p:cNvPr id="9" name="Straight Arrow Connector 55">
-              <a:extLst>
-                <a:ext uri="{FF2B5EF4-FFF2-40B4-BE49-F238E27FC236}">
-                  <a16:creationId xmlns:a16="http://schemas.microsoft.com/office/drawing/2014/main" id="{4EE4C432-6825-C3F4-22AD-1BEA13CD7C33}"/>
-                </a:ext>
-              </a:extLst>
-            </p:cNvPr>
-            <p:cNvCxnSpPr>
-              <a:cxnSpLocks/>
-            </p:cNvCxnSpPr>
-            <p:nvPr/>
-          </p:nvCxnSpPr>
-          <p:spPr>
-            <a:xfrm rot="5400000" flipH="1" flipV="1">
-              <a:off x="-7504250" y="-4785019"/>
-              <a:ext cx="18833896" cy="487818"/>
-            </a:xfrm>
-            <a:prstGeom prst="bentConnector3">
-              <a:avLst>
-                <a:gd name="adj1" fmla="val 100645"/>
-              </a:avLst>
-            </a:prstGeom>
-            <a:ln w="19050" cap="rnd" cmpd="sng">
-              <a:solidFill>
-                <a:schemeClr val="tx1"/>
-              </a:solidFill>
-              <a:prstDash val="dash"/>
-              <a:round/>
-              <a:tailEnd type="triangle"/>
-            </a:ln>
-          </p:spPr>
-          <p:style>
-            <a:lnRef idx="1">
-              <a:schemeClr val="accent1"/>
-            </a:lnRef>
-            <a:fillRef idx="0">
-              <a:schemeClr val="accent1"/>
-            </a:fillRef>
-            <a:effectRef idx="0">
-              <a:schemeClr val="accent1"/>
-            </a:effectRef>
-            <a:fontRef idx="minor">
-              <a:schemeClr val="tx1"/>
-            </a:fontRef>
-          </p:style>
-        </p:cxnSp>
-        <p:sp>
-          <p:nvSpPr>
-            <p:cNvPr id="36" name="Rectangle 35">
-              <a:extLst>
-                <a:ext uri="{FF2B5EF4-FFF2-40B4-BE49-F238E27FC236}">
-                  <a16:creationId xmlns:a16="http://schemas.microsoft.com/office/drawing/2014/main" id="{2137041B-B0A2-20B6-2AE6-51553D02C8E5}"/>
-                </a:ext>
-              </a:extLst>
-            </p:cNvPr>
-            <p:cNvSpPr/>
-            <p:nvPr/>
-          </p:nvSpPr>
-          <p:spPr>
-            <a:xfrm>
-              <a:off x="1668759" y="7932682"/>
-              <a:ext cx="343070" cy="307777"/>
-            </a:xfrm>
-            <a:prstGeom prst="rect">
-              <a:avLst/>
-            </a:prstGeom>
-            <a:noFill/>
-            <a:ln>
-              <a:noFill/>
-            </a:ln>
-          </p:spPr>
-          <p:style>
-            <a:lnRef idx="2">
-              <a:schemeClr val="accent1">
-                <a:shade val="15000"/>
-              </a:schemeClr>
-            </a:lnRef>
-            <a:fillRef idx="1">
-              <a:schemeClr val="accent1"/>
-            </a:fillRef>
-            <a:effectRef idx="0">
-              <a:schemeClr val="accent1"/>
-            </a:effectRef>
-            <a:fontRef idx="minor">
-              <a:schemeClr val="lt1"/>
-            </a:fontRef>
-          </p:style>
-          <p:txBody>
-            <a:bodyPr rtlCol="0" anchor="ctr"/>
-            <a:lstStyle/>
-            <a:p>
-              <a:pPr algn="ctr"/>
-              <a:endParaRPr lang="en-US"/>
-            </a:p>
-          </p:txBody>
-        </p:sp>
-      </p:grpSp>
     </p:spTree>
     <p:extLst>
       <p:ext uri="{BB962C8B-B14F-4D97-AF65-F5344CB8AC3E}">
